--- a/BaoCao_Android.pptx
+++ b/BaoCao_Android.pptx
@@ -10,8 +10,9 @@
     <p:sldId id="272" r:id="rId4"/>
     <p:sldId id="273" r:id="rId5"/>
     <p:sldId id="274" r:id="rId6"/>
-    <p:sldId id="275" r:id="rId7"/>
-    <p:sldId id="270" r:id="rId8"/>
+    <p:sldId id="276" r:id="rId7"/>
+    <p:sldId id="275" r:id="rId8"/>
+    <p:sldId id="270" r:id="rId9"/>
   </p:sldIdLst>
   <p:sldSz cx="12192000" cy="6858000"/>
   <p:notesSz cx="6858000" cy="9144000"/>
@@ -5978,7 +5979,7 @@
         <p:spPr>
           <a:xfrm>
             <a:off x="2901820" y="3888723"/>
-            <a:ext cx="873957" cy="369332"/>
+            <a:ext cx="1685077" cy="369332"/>
           </a:xfrm>
           <a:prstGeom prst="rect">
             <a:avLst/>
@@ -5995,7 +5996,14 @@
                 <a:latin typeface="Arial" panose="020B0604020202020204" pitchFamily="34" charset="0"/>
                 <a:cs typeface="Arial" panose="020B0604020202020204" pitchFamily="34" charset="0"/>
               </a:rPr>
-              <a:t>Đề tài:</a:t>
+              <a:t>Đề </a:t>
+            </a:r>
+            <a:r>
+              <a:rPr lang="en-US" smtClean="0">
+                <a:latin typeface="Arial" panose="020B0604020202020204" pitchFamily="34" charset="0"/>
+                <a:cs typeface="Arial" panose="020B0604020202020204" pitchFamily="34" charset="0"/>
+              </a:rPr>
+              <a:t>tài nhóm 6:</a:t>
             </a:r>
             <a:endParaRPr lang="en-US">
               <a:latin typeface="Arial" panose="020B0604020202020204" pitchFamily="34" charset="0"/>
@@ -6100,14 +6108,7 @@
                 <a:latin typeface="Arial" panose="020B0604020202020204" pitchFamily="34" charset="0"/>
                 <a:cs typeface="Arial" panose="020B0604020202020204" pitchFamily="34" charset="0"/>
               </a:rPr>
-              <a:t>GVHD: </a:t>
-            </a:r>
-            <a:r>
-              <a:rPr lang="en-US" smtClean="0">
-                <a:latin typeface="Arial" panose="020B0604020202020204" pitchFamily="34" charset="0"/>
-                <a:cs typeface="Arial" panose="020B0604020202020204" pitchFamily="34" charset="0"/>
-              </a:rPr>
-              <a:t>Phạm Đào Minh Vũ</a:t>
+              <a:t>GVHD: Phạm Đào Minh Vũ</a:t>
             </a:r>
             <a:endParaRPr lang="en-US">
               <a:latin typeface="Arial" panose="020B0604020202020204" pitchFamily="34" charset="0"/>
@@ -6534,6 +6535,85 @@
 </file>
 
 <file path=ppt/slides/slide6.xml><?xml version="1.0" encoding="utf-8"?>
+<p:sld xmlns:a="http://schemas.openxmlformats.org/drawingml/2006/main" xmlns:r="http://schemas.openxmlformats.org/officeDocument/2006/relationships" xmlns:p="http://schemas.openxmlformats.org/presentationml/2006/main">
+  <p:cSld>
+    <p:spTree>
+      <p:nvGrpSpPr>
+        <p:cNvPr id="1" name=""/>
+        <p:cNvGrpSpPr/>
+        <p:nvPr/>
+      </p:nvGrpSpPr>
+      <p:grpSpPr>
+        <a:xfrm>
+          <a:off x="0" y="0"/>
+          <a:ext cx="0" cy="0"/>
+          <a:chOff x="0" y="0"/>
+          <a:chExt cx="0" cy="0"/>
+        </a:xfrm>
+      </p:grpSpPr>
+      <p:sp>
+        <p:nvSpPr>
+          <p:cNvPr id="2" name="Title 1"/>
+          <p:cNvSpPr>
+            <a:spLocks noGrp="1"/>
+          </p:cNvSpPr>
+          <p:nvPr>
+            <p:ph type="title"/>
+          </p:nvPr>
+        </p:nvSpPr>
+        <p:spPr/>
+        <p:txBody>
+          <a:bodyPr/>
+          <a:lstStyle/>
+          <a:p>
+            <a:r>
+              <a:rPr lang="en-US" smtClean="0"/>
+              <a:t>Cấu Trúc</a:t>
+            </a:r>
+            <a:endParaRPr lang="en-US"/>
+          </a:p>
+        </p:txBody>
+      </p:sp>
+      <p:pic>
+        <p:nvPicPr>
+          <p:cNvPr id="4" name="Content Placeholder 3"/>
+          <p:cNvPicPr>
+            <a:picLocks noGrp="1" noChangeAspect="1"/>
+          </p:cNvPicPr>
+          <p:nvPr>
+            <p:ph idx="1"/>
+          </p:nvPr>
+        </p:nvPicPr>
+        <p:blipFill>
+          <a:blip r:embed="rId2"/>
+          <a:stretch>
+            <a:fillRect/>
+          </a:stretch>
+        </p:blipFill>
+        <p:spPr>
+          <a:xfrm>
+            <a:off x="1543020" y="2160588"/>
+            <a:ext cx="6865998" cy="3881437"/>
+          </a:xfrm>
+          <a:prstGeom prst="rect">
+            <a:avLst/>
+          </a:prstGeom>
+        </p:spPr>
+      </p:pic>
+    </p:spTree>
+    <p:extLst>
+      <p:ext uri="{BB962C8B-B14F-4D97-AF65-F5344CB8AC3E}">
+        <p14:creationId xmlns:p14="http://schemas.microsoft.com/office/powerpoint/2010/main" val="752211821"/>
+      </p:ext>
+    </p:extLst>
+  </p:cSld>
+  <p:clrMapOvr>
+    <a:masterClrMapping/>
+  </p:clrMapOvr>
+</p:sld>
+</file>
+
+<file path=ppt/slides/slide7.xml><?xml version="1.0" encoding="utf-8"?>
 <p:sld xmlns:a="http://schemas.openxmlformats.org/drawingml/2006/main" xmlns:r="http://schemas.openxmlformats.org/officeDocument/2006/relationships" xmlns:p="http://schemas.openxmlformats.org/presentationml/2006/main">
   <p:cSld>
     <p:spTree>
@@ -6636,7 +6716,7 @@
 </p:sld>
 </file>
 
-<file path=ppt/slides/slide7.xml><?xml version="1.0" encoding="utf-8"?>
+<file path=ppt/slides/slide8.xml><?xml version="1.0" encoding="utf-8"?>
 <p:sld xmlns:a="http://schemas.openxmlformats.org/drawingml/2006/main" xmlns:r="http://schemas.openxmlformats.org/officeDocument/2006/relationships" xmlns:p="http://schemas.openxmlformats.org/presentationml/2006/main">
   <p:cSld>
     <p:spTree>
